--- a/resources/LangDev 2025 Talk.pptx
+++ b/resources/LangDev 2025 Talk.pptx
@@ -19250,9 +19250,7 @@
             <a:avLst/>
           </a:prstGeom>
           <a:solidFill>
-            <a:schemeClr val="accent1">
-              <a:lumMod val="50000"/>
-            </a:schemeClr>
+            <a:schemeClr val="accent4"/>
           </a:solidFill>
           <a:ln>
             <a:noFill/>
@@ -19281,17 +19279,26 @@
             <a:pPr algn="ctr"/>
             <a:r>
               <a:rPr lang="en-US" sz="2400" b="1" dirty="0" err="1">
+                <a:solidFill>
+                  <a:schemeClr val="tx1"/>
+                </a:solidFill>
                 <a:latin typeface="Gilmer Bold" pitchFamily="2" charset="77"/>
               </a:rPr>
               <a:t>WebClient</a:t>
             </a:r>
             <a:r>
               <a:rPr lang="en-US" sz="2400" b="1" dirty="0">
+                <a:solidFill>
+                  <a:schemeClr val="tx1"/>
+                </a:solidFill>
                 <a:latin typeface="Gilmer Bold" pitchFamily="2" charset="77"/>
               </a:rPr>
               <a:t> B</a:t>
             </a:r>
             <a:endParaRPr lang="en-NL" sz="2400" b="1" dirty="0">
+              <a:solidFill>
+                <a:schemeClr val="tx1"/>
+              </a:solidFill>
               <a:latin typeface="Gilmer Bold" pitchFamily="2" charset="77"/>
             </a:endParaRPr>
           </a:p>
@@ -19383,9 +19390,7 @@
             <a:avLst/>
           </a:prstGeom>
           <a:solidFill>
-            <a:schemeClr val="accent1">
-              <a:lumMod val="50000"/>
-            </a:schemeClr>
+            <a:schemeClr val="accent4"/>
           </a:solidFill>
           <a:ln>
             <a:noFill/>
@@ -19414,17 +19419,26 @@
             <a:pPr algn="ctr"/>
             <a:r>
               <a:rPr lang="en-US" sz="2400" b="1" dirty="0" err="1">
+                <a:solidFill>
+                  <a:schemeClr val="tx1"/>
+                </a:solidFill>
                 <a:latin typeface="Gilmer Bold" pitchFamily="2" charset="77"/>
               </a:rPr>
               <a:t>WebClient</a:t>
             </a:r>
             <a:r>
               <a:rPr lang="en-US" sz="2400" b="1" dirty="0">
+                <a:solidFill>
+                  <a:schemeClr val="tx1"/>
+                </a:solidFill>
                 <a:latin typeface="Gilmer Bold" pitchFamily="2" charset="77"/>
               </a:rPr>
               <a:t> A</a:t>
             </a:r>
             <a:endParaRPr lang="en-NL" sz="2400" b="1" dirty="0">
+              <a:solidFill>
+                <a:schemeClr val="tx1"/>
+              </a:solidFill>
               <a:latin typeface="Gilmer Bold" pitchFamily="2" charset="77"/>
             </a:endParaRPr>
           </a:p>
@@ -19516,9 +19530,7 @@
             <a:avLst/>
           </a:prstGeom>
           <a:solidFill>
-            <a:schemeClr val="accent1">
-              <a:lumMod val="50000"/>
-            </a:schemeClr>
+            <a:srgbClr val="C8CCFF"/>
           </a:solidFill>
           <a:ln>
             <a:noFill/>
@@ -19546,12 +19558,18 @@
           <a:p>
             <a:pPr algn="ctr"/>
             <a:r>
-              <a:rPr lang="en-US" sz="2400" b="1" dirty="0" err="1">
+              <a:rPr lang="en-US" sz="2400" b="1" dirty="0">
+                <a:solidFill>
+                  <a:schemeClr val="tx1"/>
+                </a:solidFill>
                 <a:latin typeface="Gilmer Bold" pitchFamily="2" charset="77"/>
               </a:rPr>
-              <a:t>FileWatcher</a:t>
+              <a:t>Loader</a:t>
             </a:r>
             <a:endParaRPr lang="en-NL" sz="2400" b="1" dirty="0">
+              <a:solidFill>
+                <a:schemeClr val="tx1"/>
+              </a:solidFill>
               <a:latin typeface="Gilmer Bold" pitchFamily="2" charset="77"/>
             </a:endParaRPr>
           </a:p>
@@ -19676,9 +19694,7 @@
             <a:avLst/>
           </a:prstGeom>
           <a:solidFill>
-            <a:schemeClr val="accent1">
-              <a:lumMod val="50000"/>
-            </a:schemeClr>
+            <a:srgbClr val="FFA9A9"/>
           </a:solidFill>
           <a:ln>
             <a:noFill/>
@@ -19707,11 +19723,17 @@
             <a:pPr algn="ctr"/>
             <a:r>
               <a:rPr lang="en-US" sz="2400" b="1" dirty="0">
+                <a:solidFill>
+                  <a:schemeClr val="tx1"/>
+                </a:solidFill>
                 <a:latin typeface="Gilmer Bold" pitchFamily="2" charset="77"/>
               </a:rPr>
               <a:t>Repository</a:t>
             </a:r>
             <a:endParaRPr lang="en-NL" sz="2400" b="1" dirty="0">
+              <a:solidFill>
+                <a:schemeClr val="tx1"/>
+              </a:solidFill>
               <a:latin typeface="Gilmer Bold" pitchFamily="2" charset="77"/>
             </a:endParaRPr>
           </a:p>
@@ -19882,9 +19904,7 @@
             <a:avLst/>
           </a:prstGeom>
           <a:solidFill>
-            <a:schemeClr val="accent1">
-              <a:lumMod val="50000"/>
-            </a:schemeClr>
+            <a:srgbClr val="B3FFC8"/>
           </a:solidFill>
           <a:ln>
             <a:noFill/>
@@ -19913,11 +19933,17 @@
             <a:pPr algn="ctr"/>
             <a:r>
               <a:rPr lang="en-US" sz="2400" b="1" dirty="0">
+                <a:solidFill>
+                  <a:schemeClr val="tx1"/>
+                </a:solidFill>
                 <a:latin typeface="Gilmer Bold" pitchFamily="2" charset="77"/>
               </a:rPr>
               <a:t>Validator</a:t>
             </a:r>
             <a:endParaRPr lang="en-NL" sz="2400" b="1" dirty="0">
+              <a:solidFill>
+                <a:schemeClr val="tx1"/>
+              </a:solidFill>
               <a:latin typeface="Gilmer Bold" pitchFamily="2" charset="77"/>
             </a:endParaRPr>
           </a:p>

--- a/resources/LangDev 2025 Talk.pptx
+++ b/resources/LangDev 2025 Talk.pptx
@@ -217,7 +217,7 @@
           <a:p>
             <a:fld id="{A83D55DB-2215-1E4A-893A-2A5EF07198DE}" type="datetimeFigureOut">
               <a:rPr lang="en-NL" smtClean="0"/>
-              <a:t>13/10/2025</a:t>
+              <a:t>15/10/2025</a:t>
             </a:fld>
             <a:endParaRPr lang="en-NL"/>
           </a:p>
@@ -719,7 +719,7 @@
           <a:p>
             <a:fld id="{4B15492D-6F0F-2E4F-9FB6-8AD2245E2E8C}" type="datetimeFigureOut">
               <a:rPr lang="en-NL" smtClean="0"/>
-              <a:t>13/10/2025</a:t>
+              <a:t>15/10/2025</a:t>
             </a:fld>
             <a:endParaRPr lang="en-NL"/>
           </a:p>
@@ -1013,7 +1013,7 @@
           <a:p>
             <a:fld id="{4B15492D-6F0F-2E4F-9FB6-8AD2245E2E8C}" type="datetimeFigureOut">
               <a:rPr lang="en-NL" smtClean="0"/>
-              <a:t>13/10/2025</a:t>
+              <a:t>15/10/2025</a:t>
             </a:fld>
             <a:endParaRPr lang="en-NL"/>
           </a:p>
@@ -2303,7 +2303,7 @@
           <a:p>
             <a:fld id="{4B15492D-6F0F-2E4F-9FB6-8AD2245E2E8C}" type="datetimeFigureOut">
               <a:rPr lang="en-NL" smtClean="0"/>
-              <a:t>13/10/2025</a:t>
+              <a:t>15/10/2025</a:t>
             </a:fld>
             <a:endParaRPr lang="en-NL"/>
           </a:p>
@@ -2641,7 +2641,7 @@
           <a:p>
             <a:fld id="{4B15492D-6F0F-2E4F-9FB6-8AD2245E2E8C}" type="datetimeFigureOut">
               <a:rPr lang="en-NL" smtClean="0"/>
-              <a:t>13/10/2025</a:t>
+              <a:t>15/10/2025</a:t>
             </a:fld>
             <a:endParaRPr lang="en-NL"/>
           </a:p>
@@ -2955,7 +2955,7 @@
           <a:p>
             <a:fld id="{4B15492D-6F0F-2E4F-9FB6-8AD2245E2E8C}" type="datetimeFigureOut">
               <a:rPr lang="en-NL" smtClean="0"/>
-              <a:t>13/10/2025</a:t>
+              <a:t>15/10/2025</a:t>
             </a:fld>
             <a:endParaRPr lang="en-NL"/>
           </a:p>
@@ -3133,7 +3133,7 @@
           <a:p>
             <a:fld id="{4B15492D-6F0F-2E4F-9FB6-8AD2245E2E8C}" type="datetimeFigureOut">
               <a:rPr lang="en-NL" smtClean="0"/>
-              <a:t>13/10/2025</a:t>
+              <a:t>15/10/2025</a:t>
             </a:fld>
             <a:endParaRPr lang="en-NL"/>
           </a:p>
@@ -3282,7 +3282,7 @@
           <a:p>
             <a:fld id="{4B15492D-6F0F-2E4F-9FB6-8AD2245E2E8C}" type="datetimeFigureOut">
               <a:rPr lang="en-NL" smtClean="0"/>
-              <a:t>13/10/2025</a:t>
+              <a:t>15/10/2025</a:t>
             </a:fld>
             <a:endParaRPr lang="en-NL"/>
           </a:p>
@@ -3595,7 +3595,7 @@
           <a:p>
             <a:fld id="{4B15492D-6F0F-2E4F-9FB6-8AD2245E2E8C}" type="datetimeFigureOut">
               <a:rPr lang="en-NL" smtClean="0"/>
-              <a:t>13/10/2025</a:t>
+              <a:t>15/10/2025</a:t>
             </a:fld>
             <a:endParaRPr lang="en-NL"/>
           </a:p>
@@ -3888,7 +3888,7 @@
           <a:p>
             <a:fld id="{4B15492D-6F0F-2E4F-9FB6-8AD2245E2E8C}" type="datetimeFigureOut">
               <a:rPr lang="en-NL" smtClean="0"/>
-              <a:t>13/10/2025</a:t>
+              <a:t>15/10/2025</a:t>
             </a:fld>
             <a:endParaRPr lang="en-NL"/>
           </a:p>
@@ -4088,7 +4088,7 @@
           <a:p>
             <a:fld id="{4B15492D-6F0F-2E4F-9FB6-8AD2245E2E8C}" type="datetimeFigureOut">
               <a:rPr lang="en-NL" smtClean="0"/>
-              <a:t>13/10/2025</a:t>
+              <a:t>15/10/2025</a:t>
             </a:fld>
             <a:endParaRPr lang="en-NL"/>
           </a:p>
@@ -4373,7 +4373,7 @@
             <a:fld id="{4B15492D-6F0F-2E4F-9FB6-8AD2245E2E8C}" type="datetimeFigureOut">
               <a:rPr lang="en-NL" smtClean="0"/>
               <a:pPr/>
-              <a:t>13/10/2025</a:t>
+              <a:t>15/10/2025</a:t>
             </a:fld>
             <a:endParaRPr lang="en-NL" dirty="0"/>
           </a:p>
@@ -4929,8 +4929,12 @@
           </a:p>
           <a:p>
             <a:r>
+              <a:rPr lang="en-US" dirty="0" err="1"/>
+              <a:t>Meinte</a:t>
+            </a:r>
+            <a:r>
               <a:rPr lang="en-US" dirty="0"/>
-              <a:t>Jos Warmer, Niko Stotz</a:t>
+              <a:t> Boersma, Niko Stotz</a:t>
             </a:r>
           </a:p>
         </p:txBody>
@@ -20308,7 +20312,7 @@
                 <a:uFillTx/>
                 <a:latin typeface="Gill Sans MT"/>
               </a:rPr>
-              <a:t>Freelancer</a:t>
+              <a:t>DSL Consultancy</a:t>
             </a:r>
             <a:endParaRPr lang="en-US" sz="1800" b="0" u="none" strike="noStrike" dirty="0">
               <a:solidFill>
@@ -34465,7 +34469,7 @@
           <p:nvPr>
             <p:extLst>
               <p:ext uri="{D42A27DB-BD31-4B8C-83A1-F6EECF244321}">
-                <p14:modId xmlns:p14="http://schemas.microsoft.com/office/powerpoint/2010/main" val="1529166980"/>
+                <p14:modId xmlns:p14="http://schemas.microsoft.com/office/powerpoint/2010/main" val="2906520036"/>
               </p:ext>
             </p:extLst>
           </p:nvPr>
@@ -34599,14 +34603,28 @@
                     <a:lstStyle/>
                     <a:p>
                       <a:r>
+                        <a:rPr lang="en-GB" sz="1600" b="0" i="0" dirty="0" err="1">
+                          <a:latin typeface="Gill Sans MT" panose="020B0502020104020203" pitchFamily="34" charset="77"/>
+                        </a:rPr>
+                        <a:t>Meinte</a:t>
+                      </a:r>
+                      <a:r>
                         <a:rPr lang="en-GB" sz="1600" b="0" i="0" dirty="0">
                           <a:latin typeface="Gill Sans MT" panose="020B0502020104020203" pitchFamily="34" charset="77"/>
                         </a:rPr>
-                        <a:t>TBD</a:t>
+                        <a:t> Boersma,</a:t>
                       </a:r>
-                      <a:endParaRPr lang="en-NL" sz="1600" b="0" i="0" dirty="0">
-                        <a:latin typeface="Gill Sans MT" panose="020B0502020104020203" pitchFamily="34" charset="77"/>
-                      </a:endParaRPr>
+                      <a:br>
+                        <a:rPr lang="en-GB" sz="1600" b="0" i="0" dirty="0">
+                          <a:latin typeface="Gill Sans MT" panose="020B0502020104020203" pitchFamily="34" charset="77"/>
+                        </a:rPr>
+                      </a:br>
+                      <a:r>
+                        <a:rPr lang="en-GB" sz="1600" b="0" i="0" dirty="0">
+                          <a:latin typeface="Gill Sans MT" panose="020B0502020104020203" pitchFamily="34" charset="77"/>
+                        </a:rPr>
+                        <a:t>Niko Stotz</a:t>
+                      </a:r>
                     </a:p>
                   </a:txBody>
                   <a:tcPr/>
@@ -34620,7 +34638,18 @@
                         <a:rPr lang="en-GB" sz="1600" b="0" i="0" dirty="0">
                           <a:latin typeface="Gill Sans MT" panose="020B0502020104020203" pitchFamily="34" charset="77"/>
                         </a:rPr>
-                        <a:t>TBD</a:t>
+                        <a:t>DSL Consultancy,</a:t>
+                      </a:r>
+                      <a:br>
+                        <a:rPr lang="en-GB" sz="1600" b="0" i="0" dirty="0">
+                          <a:latin typeface="Gill Sans MT" panose="020B0502020104020203" pitchFamily="34" charset="77"/>
+                        </a:rPr>
+                      </a:br>
+                      <a:r>
+                        <a:rPr lang="en-GB" sz="1600" b="0" i="0" dirty="0">
+                          <a:latin typeface="Gill Sans MT" panose="020B0502020104020203" pitchFamily="34" charset="77"/>
+                        </a:rPr>
+                        <a:t>F1RE</a:t>
                       </a:r>
                       <a:endParaRPr lang="en-NL" sz="1600" b="0" i="0" dirty="0">
                         <a:latin typeface="Gill Sans MT" panose="020B0502020104020203" pitchFamily="34" charset="77"/>
@@ -34836,7 +34865,7 @@
                     <a:p>
                       <a:r>
                         <a:rPr lang="nl-NL" sz="1600" dirty="0"/>
-                        <a:t>	</a:t>
+                        <a:t>Ulyana Tikhonova</a:t>
                       </a:r>
                       <a:endParaRPr lang="en-NL" sz="1600" b="0" i="0" dirty="0">
                         <a:latin typeface="Gill Sans MT" panose="020B0502020104020203" pitchFamily="34" charset="77"/>

--- a/resources/LangDev 2025 Talk.pptx
+++ b/resources/LangDev 2025 Talk.pptx
@@ -4859,39 +4859,6 @@
       </p:grpSpPr>
       <p:sp>
         <p:nvSpPr>
-          <p:cNvPr id="2" name="Title 1">
-            <a:extLst>
-              <a:ext uri="{FF2B5EF4-FFF2-40B4-BE49-F238E27FC236}">
-                <a16:creationId xmlns:a16="http://schemas.microsoft.com/office/drawing/2014/main" id="{AE0F2824-C0B5-6AD4-C536-8BC5310B162A}"/>
-              </a:ext>
-            </a:extLst>
-          </p:cNvPr>
-          <p:cNvSpPr>
-            <a:spLocks noGrp="1"/>
-          </p:cNvSpPr>
-          <p:nvPr>
-            <p:ph type="ctrTitle"/>
-          </p:nvPr>
-        </p:nvSpPr>
-        <p:spPr>
-          <a:xfrm>
-            <a:off x="0" y="0"/>
-            <a:ext cx="12192000" cy="5004262"/>
-          </a:xfrm>
-        </p:spPr>
-        <p:txBody>
-          <a:bodyPr/>
-          <a:lstStyle/>
-          <a:p>
-            <a:r>
-              <a:rPr lang="en-US" dirty="0"/>
-              <a:t>LionWeb: Status Update</a:t>
-            </a:r>
-          </a:p>
-        </p:txBody>
-      </p:sp>
-      <p:sp>
-        <p:nvSpPr>
           <p:cNvPr id="3" name="Subtitle 2">
             <a:extLst>
               <a:ext uri="{FF2B5EF4-FFF2-40B4-BE49-F238E27FC236}">
@@ -8882,75 +8849,47 @@
       </p:grpSp>
       <p:sp>
         <p:nvSpPr>
-          <p:cNvPr id="54" name="Title 1">
+          <p:cNvPr id="52" name="Title 51">
             <a:extLst>
               <a:ext uri="{FF2B5EF4-FFF2-40B4-BE49-F238E27FC236}">
-                <a16:creationId xmlns:a16="http://schemas.microsoft.com/office/drawing/2014/main" id="{D1DD1D03-07A5-0058-4E05-97759FC28F40}"/>
+                <a16:creationId xmlns:a16="http://schemas.microsoft.com/office/drawing/2014/main" id="{CCF180D2-1C23-CA8E-39CA-307C7158FD82}"/>
               </a:ext>
             </a:extLst>
           </p:cNvPr>
-          <p:cNvSpPr txBox="1">
-            <a:spLocks/>
+          <p:cNvSpPr>
+            <a:spLocks noGrp="1"/>
           </p:cNvSpPr>
-          <p:nvPr/>
+          <p:nvPr>
+            <p:ph type="ctrTitle"/>
+          </p:nvPr>
         </p:nvSpPr>
-        <p:spPr>
-          <a:xfrm>
-            <a:off x="236147" y="71948"/>
-            <a:ext cx="12192000" cy="5004262"/>
-          </a:xfrm>
-          <a:prstGeom prst="rect">
-            <a:avLst/>
-          </a:prstGeom>
-          <a:solidFill>
-            <a:srgbClr val="E6752A"/>
-          </a:solidFill>
-        </p:spPr>
+        <p:spPr/>
         <p:txBody>
-          <a:bodyPr vert="horz" lIns="91440" tIns="648000" rIns="91440" bIns="45720" rtlCol="0" anchor="t">
-            <a:normAutofit/>
-          </a:bodyPr>
-          <a:lstStyle>
-            <a:lvl1pPr algn="ctr" defTabSz="914400" rtl="0" eaLnBrk="1" latinLnBrk="0" hangingPunct="1">
-              <a:lnSpc>
-                <a:spcPct val="90000"/>
-              </a:lnSpc>
-              <a:spcBef>
-                <a:spcPct val="0"/>
-              </a:spcBef>
-              <a:buNone/>
-              <a:defRPr lang="en-NL" sz="6000" b="1" i="0" kern="1200">
-                <a:ln>
-                  <a:solidFill>
-                    <a:schemeClr val="bg1"/>
-                  </a:solidFill>
-                </a:ln>
-                <a:solidFill>
-                  <a:schemeClr val="bg1"/>
-                </a:solidFill>
-                <a:latin typeface="Gill Sans MT" panose="020B0502020104020203" pitchFamily="34" charset="77"/>
-                <a:ea typeface="+mj-ea"/>
-                <a:cs typeface="+mj-cs"/>
-              </a:defRPr>
-            </a:lvl1pPr>
-          </a:lstStyle>
+          <a:bodyPr/>
+          <a:lstStyle/>
           <a:p>
             <a:r>
               <a:rPr lang="en-US" dirty="0"/>
               <a:t>LionWeb:</a:t>
             </a:r>
-          </a:p>
-          <a:p>
+            <a:br>
+              <a:rPr lang="en-US" dirty="0"/>
+            </a:br>
             <a:r>
               <a:rPr lang="en-US" dirty="0"/>
               <a:t>Status +</a:t>
             </a:r>
-          </a:p>
-          <a:p>
+            <a:br>
+              <a:rPr lang="en-US" dirty="0"/>
+            </a:br>
             <a:r>
               <a:rPr lang="en-US" dirty="0"/>
               <a:t>Delta Protocol</a:t>
             </a:r>
+            <a:br>
+              <a:rPr lang="en-US" dirty="0"/>
+            </a:br>
+            <a:endParaRPr lang="en-NL" dirty="0"/>
           </a:p>
         </p:txBody>
       </p:sp>

--- a/resources/LangDev 2025 Talk.pptx
+++ b/resources/LangDev 2025 Talk.pptx
@@ -4881,7 +4881,7 @@
         </p:spPr>
         <p:txBody>
           <a:bodyPr>
-            <a:normAutofit fontScale="77500" lnSpcReduction="20000"/>
+            <a:normAutofit fontScale="70000" lnSpcReduction="20000"/>
           </a:bodyPr>
           <a:lstStyle/>
           <a:p>
@@ -4901,8 +4901,11 @@
             </a:r>
             <a:r>
               <a:rPr lang="en-US" dirty="0"/>
-              <a:t> Boersma, Niko Stotz</a:t>
+              <a:t> Boersma, Niko Stotz, Ulyana Tikhonova</a:t>
             </a:r>
+          </a:p>
+          <a:p>
+            <a:endParaRPr lang="en-US" dirty="0"/>
           </a:p>
         </p:txBody>
       </p:sp>
@@ -34408,14 +34411,14 @@
           <p:nvPr>
             <p:extLst>
               <p:ext uri="{D42A27DB-BD31-4B8C-83A1-F6EECF244321}">
-                <p14:modId xmlns:p14="http://schemas.microsoft.com/office/powerpoint/2010/main" val="2906520036"/>
+                <p14:modId xmlns:p14="http://schemas.microsoft.com/office/powerpoint/2010/main" val="4233323774"/>
               </p:ext>
             </p:extLst>
           </p:nvPr>
         </p:nvGraphicFramePr>
         <p:xfrm>
           <a:off x="1013480" y="1693813"/>
-          <a:ext cx="10165039" cy="3901839"/>
+          <a:ext cx="10165039" cy="4687674"/>
         </p:xfrm>
         <a:graphic>
           <a:graphicData uri="http://schemas.openxmlformats.org/drawingml/2006/table">
@@ -34505,16 +34508,95 @@
                     <a:lstStyle/>
                     <a:p>
                       <a:r>
+                        <a:rPr lang="en-US" sz="1600" b="1" i="0" dirty="0">
+                          <a:latin typeface="Gill Sans MT" panose="020B0502020104020203" pitchFamily="34" charset="77"/>
+                          <a:hlinkClick r:id="rId2"/>
+                        </a:rPr>
+                        <a:t>Protostar: an AST solution for ANTLR4 and LionWeb</a:t>
+                      </a:r>
+                      <a:br>
+                        <a:rPr lang="en-US" sz="1600" b="0" i="0" dirty="0">
+                          <a:latin typeface="Gill Sans MT" panose="020B0502020104020203" pitchFamily="34" charset="77"/>
+                        </a:rPr>
+                      </a:br>
+                      <a:r>
+                        <a:rPr lang="en-US" sz="1600" b="0" i="0" dirty="0">
+                          <a:latin typeface="Gill Sans MT" panose="020B0502020104020203" pitchFamily="34" charset="77"/>
+                        </a:rPr>
+                        <a:t>Thursday 9:30</a:t>
+                      </a:r>
+                      <a:endParaRPr lang="en-NL" sz="1600" b="0" i="0" dirty="0">
+                        <a:latin typeface="Gill Sans MT" panose="020B0502020104020203" pitchFamily="34" charset="77"/>
+                      </a:endParaRPr>
+                    </a:p>
+                  </a:txBody>
+                  <a:tcPr/>
+                </a:tc>
+                <a:tc>
+                  <a:txBody>
+                    <a:bodyPr/>
+                    <a:lstStyle/>
+                    <a:p>
+                      <a:r>
+                        <a:rPr lang="en-GB" sz="1600" b="0" i="0" dirty="0">
+                          <a:latin typeface="Gill Sans MT" panose="020B0502020104020203" pitchFamily="34" charset="77"/>
+                        </a:rPr>
+                        <a:t>Alessio </a:t>
+                      </a:r>
+                      <a:r>
+                        <a:rPr lang="en-GB" sz="1600" b="0" i="0" dirty="0" err="1">
+                          <a:latin typeface="Gill Sans MT" panose="020B0502020104020203" pitchFamily="34" charset="77"/>
+                        </a:rPr>
+                        <a:t>Stalla</a:t>
+                      </a:r>
+                      <a:endParaRPr lang="en-GB" sz="1600" b="0" i="0" dirty="0">
+                        <a:latin typeface="Gill Sans MT" panose="020B0502020104020203" pitchFamily="34" charset="77"/>
+                      </a:endParaRPr>
+                    </a:p>
+                  </a:txBody>
+                  <a:tcPr/>
+                </a:tc>
+                <a:tc>
+                  <a:txBody>
+                    <a:bodyPr/>
+                    <a:lstStyle/>
+                    <a:p>
+                      <a:r>
+                        <a:rPr lang="en-US" sz="1600" b="0" i="0" dirty="0" err="1">
+                          <a:latin typeface="Gill Sans MT" panose="020B0502020104020203" pitchFamily="34" charset="77"/>
+                        </a:rPr>
+                        <a:t>Strumenta</a:t>
+                      </a:r>
+                      <a:endParaRPr lang="en-NL" sz="1600" b="0" i="0" dirty="0">
+                        <a:latin typeface="Gill Sans MT" panose="020B0502020104020203" pitchFamily="34" charset="77"/>
+                      </a:endParaRPr>
+                    </a:p>
+                  </a:txBody>
+                  <a:tcPr/>
+                </a:tc>
+                <a:extLst>
+                  <a:ext uri="{0D108BD9-81ED-4DB2-BD59-A6C34878D82A}">
+                    <a16:rowId xmlns:a16="http://schemas.microsoft.com/office/drawing/2014/main" val="277500658"/>
+                  </a:ext>
+                </a:extLst>
+              </a:tr>
+              <a:tr h="785835">
+                <a:tc>
+                  <a:txBody>
+                    <a:bodyPr/>
+                    <a:lstStyle/>
+                    <a:p>
+                      <a:r>
                         <a:rPr lang="en-GB" sz="1600" b="1" i="0" dirty="0" err="1">
                           <a:latin typeface="Gill Sans MT" panose="020B0502020104020203" pitchFamily="34" charset="77"/>
-                          <a:hlinkClick r:id="rId2"/>
+                          <a:hlinkClick r:id="rId3"/>
                         </a:rPr>
                         <a:t>LionWeb’s</a:t>
                       </a:r>
                       <a:r>
                         <a:rPr lang="en-GB" sz="1600" b="1" i="0" dirty="0">
                           <a:latin typeface="Gill Sans MT" panose="020B0502020104020203" pitchFamily="34" charset="77"/>
-                          <a:hlinkClick r:id="rId2"/>
+                          <a:hlinkClick r:id="rId3"/>
                         </a:rPr>
                         <a:t> delta protocol: incremental model changes</a:t>
                       </a:r>
@@ -34612,7 +34694,7 @@
                       <a:r>
                         <a:rPr lang="en-GB" sz="1600" b="1" i="0" dirty="0">
                           <a:latin typeface="Gill Sans MT" panose="020B0502020104020203" pitchFamily="34" charset="77"/>
-                          <a:hlinkClick r:id="rId3"/>
+                          <a:hlinkClick r:id="rId4"/>
                         </a:rPr>
                         <a:t>Making DSLs conversable</a:t>
                       </a:r>
@@ -34685,7 +34767,7 @@
                       <a:r>
                         <a:rPr lang="en-US" sz="1600" b="1" i="0" dirty="0">
                           <a:latin typeface="Gill Sans MT" panose="020B0502020104020203" pitchFamily="34" charset="77"/>
-                          <a:hlinkClick r:id="rId4"/>
+                          <a:hlinkClick r:id="rId5"/>
                         </a:rPr>
                         <a:t>Freon-Powered: Crafting Web-Native DSL Editors That Wow</a:t>
                       </a:r>
@@ -34763,14 +34845,14 @@
                       <a:r>
                         <a:rPr lang="en-GB" sz="1600" b="1" i="0" dirty="0" err="1">
                           <a:latin typeface="Gill Sans MT" panose="020B0502020104020203" pitchFamily="34" charset="77"/>
-                          <a:hlinkClick r:id="rId5"/>
+                          <a:hlinkClick r:id="rId6"/>
                         </a:rPr>
                         <a:t>SysML</a:t>
                       </a:r>
                       <a:r>
                         <a:rPr lang="en-GB" sz="1600" b="1" i="0" dirty="0">
                           <a:latin typeface="Gill Sans MT" panose="020B0502020104020203" pitchFamily="34" charset="77"/>
-                          <a:hlinkClick r:id="rId5"/>
+                          <a:hlinkClick r:id="rId6"/>
                         </a:rPr>
                         <a:t> v2 language in LionWeb</a:t>
                       </a:r>

--- a/resources/LangDev 2025 Talk.pptx
+++ b/resources/LangDev 2025 Talk.pptx
@@ -217,7 +217,7 @@
           <a:p>
             <a:fld id="{A83D55DB-2215-1E4A-893A-2A5EF07198DE}" type="datetimeFigureOut">
               <a:rPr lang="en-NL" smtClean="0"/>
-              <a:t>15/10/2025</a:t>
+              <a:t>10/31/2025</a:t>
             </a:fld>
             <a:endParaRPr lang="en-NL"/>
           </a:p>
@@ -719,7 +719,7 @@
           <a:p>
             <a:fld id="{4B15492D-6F0F-2E4F-9FB6-8AD2245E2E8C}" type="datetimeFigureOut">
               <a:rPr lang="en-NL" smtClean="0"/>
-              <a:t>15/10/2025</a:t>
+              <a:t>10/31/2025</a:t>
             </a:fld>
             <a:endParaRPr lang="en-NL"/>
           </a:p>
@@ -1013,7 +1013,7 @@
           <a:p>
             <a:fld id="{4B15492D-6F0F-2E4F-9FB6-8AD2245E2E8C}" type="datetimeFigureOut">
               <a:rPr lang="en-NL" smtClean="0"/>
-              <a:t>15/10/2025</a:t>
+              <a:t>10/31/2025</a:t>
             </a:fld>
             <a:endParaRPr lang="en-NL"/>
           </a:p>
@@ -2303,7 +2303,7 @@
           <a:p>
             <a:fld id="{4B15492D-6F0F-2E4F-9FB6-8AD2245E2E8C}" type="datetimeFigureOut">
               <a:rPr lang="en-NL" smtClean="0"/>
-              <a:t>15/10/2025</a:t>
+              <a:t>10/31/2025</a:t>
             </a:fld>
             <a:endParaRPr lang="en-NL"/>
           </a:p>
@@ -2641,7 +2641,7 @@
           <a:p>
             <a:fld id="{4B15492D-6F0F-2E4F-9FB6-8AD2245E2E8C}" type="datetimeFigureOut">
               <a:rPr lang="en-NL" smtClean="0"/>
-              <a:t>15/10/2025</a:t>
+              <a:t>10/31/2025</a:t>
             </a:fld>
             <a:endParaRPr lang="en-NL"/>
           </a:p>
@@ -2955,7 +2955,7 @@
           <a:p>
             <a:fld id="{4B15492D-6F0F-2E4F-9FB6-8AD2245E2E8C}" type="datetimeFigureOut">
               <a:rPr lang="en-NL" smtClean="0"/>
-              <a:t>15/10/2025</a:t>
+              <a:t>10/31/2025</a:t>
             </a:fld>
             <a:endParaRPr lang="en-NL"/>
           </a:p>
@@ -3133,7 +3133,7 @@
           <a:p>
             <a:fld id="{4B15492D-6F0F-2E4F-9FB6-8AD2245E2E8C}" type="datetimeFigureOut">
               <a:rPr lang="en-NL" smtClean="0"/>
-              <a:t>15/10/2025</a:t>
+              <a:t>10/31/2025</a:t>
             </a:fld>
             <a:endParaRPr lang="en-NL"/>
           </a:p>
@@ -3282,7 +3282,7 @@
           <a:p>
             <a:fld id="{4B15492D-6F0F-2E4F-9FB6-8AD2245E2E8C}" type="datetimeFigureOut">
               <a:rPr lang="en-NL" smtClean="0"/>
-              <a:t>15/10/2025</a:t>
+              <a:t>10/31/2025</a:t>
             </a:fld>
             <a:endParaRPr lang="en-NL"/>
           </a:p>
@@ -3595,7 +3595,7 @@
           <a:p>
             <a:fld id="{4B15492D-6F0F-2E4F-9FB6-8AD2245E2E8C}" type="datetimeFigureOut">
               <a:rPr lang="en-NL" smtClean="0"/>
-              <a:t>15/10/2025</a:t>
+              <a:t>10/31/2025</a:t>
             </a:fld>
             <a:endParaRPr lang="en-NL"/>
           </a:p>
@@ -3888,7 +3888,7 @@
           <a:p>
             <a:fld id="{4B15492D-6F0F-2E4F-9FB6-8AD2245E2E8C}" type="datetimeFigureOut">
               <a:rPr lang="en-NL" smtClean="0"/>
-              <a:t>15/10/2025</a:t>
+              <a:t>10/31/2025</a:t>
             </a:fld>
             <a:endParaRPr lang="en-NL"/>
           </a:p>
@@ -4088,7 +4088,7 @@
           <a:p>
             <a:fld id="{4B15492D-6F0F-2E4F-9FB6-8AD2245E2E8C}" type="datetimeFigureOut">
               <a:rPr lang="en-NL" smtClean="0"/>
-              <a:t>15/10/2025</a:t>
+              <a:t>10/31/2025</a:t>
             </a:fld>
             <a:endParaRPr lang="en-NL"/>
           </a:p>
@@ -4373,7 +4373,7 @@
             <a:fld id="{4B15492D-6F0F-2E4F-9FB6-8AD2245E2E8C}" type="datetimeFigureOut">
               <a:rPr lang="en-NL" smtClean="0"/>
               <a:pPr/>
-              <a:t>15/10/2025</a:t>
+              <a:t>10/31/2025</a:t>
             </a:fld>
             <a:endParaRPr lang="en-NL" dirty="0"/>
           </a:p>
@@ -21091,32 +21091,21 @@
               </a:rPr>
               <a:t>:</a:t>
             </a:r>
-            <a:endParaRPr lang="en-US" sz="1600" b="0" u="none" strike="noStrike" dirty="0">
+            <a:endParaRPr lang="en-US" sz="1600" b="1" u="none" strike="noStrike" dirty="0">
               <a:solidFill>
-                <a:srgbClr val="FFFFFF"/>
+                <a:schemeClr val="dk1"/>
               </a:solidFill>
               <a:effectLst/>
               <a:uFillTx/>
-              <a:latin typeface="Calibri"/>
+              <a:latin typeface="Gill Sans MT"/>
             </a:endParaRPr>
           </a:p>
           <a:p>
-            <a:pPr defTabSz="914400">
-              <a:lnSpc>
-                <a:spcPct val="100000"/>
-              </a:lnSpc>
-              <a:spcBef>
-                <a:spcPts val="201"/>
-              </a:spcBef>
-            </a:pPr>
             <a:r>
-              <a:rPr lang="en-GB" sz="1600" b="0" u="sng" strike="noStrike" dirty="0">
+              <a:rPr lang="en-US" sz="1600" dirty="0">
                 <a:solidFill>
-                  <a:schemeClr val="dk1"/>
+                  <a:srgbClr val="FFFFFF"/>
                 </a:solidFill>
-                <a:effectLst/>
-                <a:uFillTx/>
-                <a:latin typeface="Gill Sans MT"/>
                 <a:hlinkClick r:id="rId5"/>
               </a:rPr>
               <a:t>https://join.slack.com/t/lionweb/shared_invite/zt-2k1k5bsv7-EvC2IABIgSxWrqJNVOZ0HQ</a:t>
@@ -21567,6 +21556,7 @@
         </p:nvPicPr>
         <p:blipFill>
           <a:blip r:embed="rId6"/>
+          <a:srcRect/>
           <a:stretch/>
         </p:blipFill>
         <p:spPr>
